--- a/Week 9/Lecture/Eulerian_movement.pptx
+++ b/Week 9/Lecture/Eulerian_movement.pptx
@@ -3673,8 +3673,8 @@
           </a:p>
         </p:txBody>
       </p:sp>
-      <mc:AlternateContent xmlns:mc="http://schemas.openxmlformats.org/markup-compatibility/2006">
-        <mc:Choice xmlns:a14="http://schemas.microsoft.com/office/drawing/2010/main" Requires="a14">
+      <mc:AlternateContent xmlns:mc="http://schemas.openxmlformats.org/markup-compatibility/2006" xmlns:a14="http://schemas.microsoft.com/office/drawing/2010/main">
+        <mc:Choice Requires="a14">
           <p:sp>
             <p:nvSpPr>
               <p:cNvPr id="3" name="Content Placeholder 2"/>
@@ -3992,7 +3992,7 @@
             </p:txBody>
           </p:sp>
         </mc:Choice>
-        <mc:Fallback>
+        <mc:Fallback xmlns="">
           <p:sp>
             <p:nvSpPr>
               <p:cNvPr id="3" name="Content Placeholder 2"/>
@@ -4075,8 +4075,8 @@
           </a:p>
         </p:txBody>
       </p:sp>
-      <mc:AlternateContent xmlns:mc="http://schemas.openxmlformats.org/markup-compatibility/2006">
-        <mc:Choice xmlns:a14="http://schemas.microsoft.com/office/drawing/2010/main" Requires="a14">
+      <mc:AlternateContent xmlns:mc="http://schemas.openxmlformats.org/markup-compatibility/2006" xmlns:a14="http://schemas.microsoft.com/office/drawing/2010/main">
+        <mc:Choice Requires="a14">
           <p:sp>
             <p:nvSpPr>
               <p:cNvPr id="3" name="Content Placeholder 2"/>
@@ -4922,7 +4922,7 @@
             </p:txBody>
           </p:sp>
         </mc:Choice>
-        <mc:Fallback>
+        <mc:Fallback xmlns="">
           <p:sp>
             <p:nvSpPr>
               <p:cNvPr id="3" name="Content Placeholder 2"/>
@@ -6673,8 +6673,8 @@
           </a:p>
         </p:txBody>
       </p:sp>
-      <mc:AlternateContent xmlns:mc="http://schemas.openxmlformats.org/markup-compatibility/2006" xmlns:a14="http://schemas.microsoft.com/office/drawing/2010/main">
-        <mc:Choice Requires="a14">
+      <mc:AlternateContent xmlns:mc="http://schemas.openxmlformats.org/markup-compatibility/2006">
+        <mc:Choice xmlns:a14="http://schemas.microsoft.com/office/drawing/2010/main" Requires="a14">
           <p:sp>
             <p:nvSpPr>
               <p:cNvPr id="3" name="Content Placeholder 2"/>
@@ -7173,7 +7173,7 @@
                 <a:pPr lvl="1"/>
                 <a:r>
                   <a:rPr lang="en-GB" dirty="0"/>
-                  <a:t>Conservation of numbers, i.e., columns sum to 1</a:t>
+                  <a:t>Conservation of numbers, i.e., rows sum to 1</a:t>
                 </a:r>
               </a:p>
               <a:p>
@@ -7186,7 +7186,7 @@
             </p:txBody>
           </p:sp>
         </mc:Choice>
-        <mc:Fallback xmlns="">
+        <mc:Fallback>
           <p:sp>
             <p:nvSpPr>
               <p:cNvPr id="3" name="Content Placeholder 2"/>
@@ -7688,62 +7688,24 @@
                           </m:r>
                         </m:den>
                       </m:f>
-                      <m:sSup>
-                        <m:sSupPr>
-                          <m:ctrlPr>
-                            <a:rPr lang="en-US" b="1" i="1" smtClean="0">
-                              <a:latin typeface="Cambria Math" panose="02040503050406030204" pitchFamily="18" charset="0"/>
-                            </a:rPr>
-                          </m:ctrlPr>
-                        </m:sSupPr>
-                        <m:e>
-                          <m:r>
-                            <a:rPr lang="en-US" b="1" i="0" smtClean="0">
-                              <a:latin typeface="Cambria Math" panose="02040503050406030204" pitchFamily="18" charset="0"/>
-                            </a:rPr>
-                            <m:t>𝐝</m:t>
-                          </m:r>
-                        </m:e>
-                        <m:sup>
-                          <m:r>
-                            <a:rPr lang="en-US" b="0" i="1" smtClean="0">
-                              <a:latin typeface="Cambria Math" panose="02040503050406030204" pitchFamily="18" charset="0"/>
-                            </a:rPr>
-                            <m:t>𝑡</m:t>
-                          </m:r>
-                        </m:sup>
-                      </m:sSup>
+                      <m:r>
+                        <a:rPr lang="en-US" b="1">
+                          <a:latin typeface="Cambria Math" panose="02040503050406030204" pitchFamily="18" charset="0"/>
+                        </a:rPr>
+                        <m:t>𝐝</m:t>
+                      </m:r>
                       <m:r>
                         <a:rPr lang="en-US" b="1" i="0" smtClean="0">
                           <a:latin typeface="Cambria Math" panose="02040503050406030204" pitchFamily="18" charset="0"/>
                         </a:rPr>
                         <m:t>=</m:t>
                       </m:r>
-                      <m:sSup>
-                        <m:sSupPr>
-                          <m:ctrlPr>
-                            <a:rPr lang="en-US" b="1" i="1" smtClean="0">
-                              <a:latin typeface="Cambria Math" panose="02040503050406030204" pitchFamily="18" charset="0"/>
-                            </a:rPr>
-                          </m:ctrlPr>
-                        </m:sSupPr>
-                        <m:e>
-                          <m:r>
-                            <a:rPr lang="en-US" b="1" i="0" smtClean="0">
-                              <a:latin typeface="Cambria Math" panose="02040503050406030204" pitchFamily="18" charset="0"/>
-                            </a:rPr>
-                            <m:t>𝐝</m:t>
-                          </m:r>
-                        </m:e>
-                        <m:sup>
-                          <m:r>
-                            <a:rPr lang="en-US" b="0" i="1" smtClean="0">
-                              <a:latin typeface="Cambria Math" panose="02040503050406030204" pitchFamily="18" charset="0"/>
-                            </a:rPr>
-                            <m:t>𝑡</m:t>
-                          </m:r>
-                        </m:sup>
-                      </m:sSup>
+                      <m:r>
+                        <a:rPr lang="en-US" b="1">
+                          <a:latin typeface="Cambria Math" panose="02040503050406030204" pitchFamily="18" charset="0"/>
+                        </a:rPr>
+                        <m:t>𝐝</m:t>
+                      </m:r>
                       <m:r>
                         <a:rPr lang="en-US" b="1">
                           <a:latin typeface="Cambria Math" panose="02040503050406030204" pitchFamily="18" charset="0"/>
@@ -8156,8 +8118,8 @@
           </a:p>
         </p:txBody>
       </p:sp>
-      <mc:AlternateContent xmlns:mc="http://schemas.openxmlformats.org/markup-compatibility/2006">
-        <mc:Choice xmlns:a14="http://schemas.microsoft.com/office/drawing/2010/main" Requires="a14">
+      <mc:AlternateContent xmlns:mc="http://schemas.openxmlformats.org/markup-compatibility/2006" xmlns:a14="http://schemas.microsoft.com/office/drawing/2010/main">
+        <mc:Choice Requires="a14">
           <p:sp>
             <p:nvSpPr>
               <p:cNvPr id="3" name="Content Placeholder 2"/>
@@ -8470,7 +8432,7 @@
                     <m:sSup>
                       <m:sSupPr>
                         <m:ctrlPr>
-                          <a:rPr lang="en-US" b="0" i="0" smtClean="0">
+                          <a:rPr lang="en-US" b="0" i="1" smtClean="0">
                             <a:latin typeface="Cambria Math" panose="02040503050406030204" pitchFamily="18" charset="0"/>
                           </a:rPr>
                         </m:ctrlPr>
@@ -8513,7 +8475,7 @@
             </p:txBody>
           </p:sp>
         </mc:Choice>
-        <mc:Fallback>
+        <mc:Fallback xmlns="">
           <p:sp>
             <p:nvSpPr>
               <p:cNvPr id="3" name="Content Placeholder 2"/>
